--- a/04-CrMagOpt/Pictures/MagOptLowSym.pptx
+++ b/04-CrMagOpt/Pictures/MagOptLowSym.pptx
@@ -1,19 +1,114 @@
 
 <file path=ppt/presentation.xml><?xml version="1.0" encoding="utf-8"?>
-<p:presentation xmlns:a="http://schemas.openxmlformats.org/drawingml/2006/main" xmlns:p="http://schemas.openxmlformats.org/presentationml/2006/main" xmlns:r="http://schemas.openxmlformats.org/officeDocument/2006/relationships">
+<p:presentation xmlns:a="http://schemas.openxmlformats.org/drawingml/2006/main" xmlns:r="http://schemas.openxmlformats.org/officeDocument/2006/relationships" xmlns:p="http://schemas.openxmlformats.org/presentationml/2006/main">
   <p:sldMasterIdLst>
-    <p:sldMasterId id="2147483648" r:id="rId2"/>
+    <p:sldMasterId id="2147483648" r:id="rId1"/>
   </p:sldMasterIdLst>
   <p:sldIdLst>
-    <p:sldId id="256" r:id="rId3"/>
+    <p:sldId id="256" r:id="rId2"/>
   </p:sldIdLst>
   <p:sldSz cx="4321175" cy="5940425"/>
-  <p:notesSz cx="7559675" cy="10691812"/>
+  <p:notesSz cx="7559675" cy="10691813"/>
+  <p:defaultTextStyle>
+    <a:defPPr>
+      <a:defRPr lang="fr-FR"/>
+    </a:defPPr>
+    <a:lvl1pPr marL="0" algn="l" defTabSz="914400" rtl="0" eaLnBrk="1" latinLnBrk="0" hangingPunct="1">
+      <a:defRPr sz="1800" kern="1200">
+        <a:solidFill>
+          <a:schemeClr val="tx1"/>
+        </a:solidFill>
+        <a:latin typeface="+mn-lt"/>
+        <a:ea typeface="+mn-ea"/>
+        <a:cs typeface="+mn-cs"/>
+      </a:defRPr>
+    </a:lvl1pPr>
+    <a:lvl2pPr marL="457200" algn="l" defTabSz="914400" rtl="0" eaLnBrk="1" latinLnBrk="0" hangingPunct="1">
+      <a:defRPr sz="1800" kern="1200">
+        <a:solidFill>
+          <a:schemeClr val="tx1"/>
+        </a:solidFill>
+        <a:latin typeface="+mn-lt"/>
+        <a:ea typeface="+mn-ea"/>
+        <a:cs typeface="+mn-cs"/>
+      </a:defRPr>
+    </a:lvl2pPr>
+    <a:lvl3pPr marL="914400" algn="l" defTabSz="914400" rtl="0" eaLnBrk="1" latinLnBrk="0" hangingPunct="1">
+      <a:defRPr sz="1800" kern="1200">
+        <a:solidFill>
+          <a:schemeClr val="tx1"/>
+        </a:solidFill>
+        <a:latin typeface="+mn-lt"/>
+        <a:ea typeface="+mn-ea"/>
+        <a:cs typeface="+mn-cs"/>
+      </a:defRPr>
+    </a:lvl3pPr>
+    <a:lvl4pPr marL="1371600" algn="l" defTabSz="914400" rtl="0" eaLnBrk="1" latinLnBrk="0" hangingPunct="1">
+      <a:defRPr sz="1800" kern="1200">
+        <a:solidFill>
+          <a:schemeClr val="tx1"/>
+        </a:solidFill>
+        <a:latin typeface="+mn-lt"/>
+        <a:ea typeface="+mn-ea"/>
+        <a:cs typeface="+mn-cs"/>
+      </a:defRPr>
+    </a:lvl4pPr>
+    <a:lvl5pPr marL="1828800" algn="l" defTabSz="914400" rtl="0" eaLnBrk="1" latinLnBrk="0" hangingPunct="1">
+      <a:defRPr sz="1800" kern="1200">
+        <a:solidFill>
+          <a:schemeClr val="tx1"/>
+        </a:solidFill>
+        <a:latin typeface="+mn-lt"/>
+        <a:ea typeface="+mn-ea"/>
+        <a:cs typeface="+mn-cs"/>
+      </a:defRPr>
+    </a:lvl5pPr>
+    <a:lvl6pPr marL="2286000" algn="l" defTabSz="914400" rtl="0" eaLnBrk="1" latinLnBrk="0" hangingPunct="1">
+      <a:defRPr sz="1800" kern="1200">
+        <a:solidFill>
+          <a:schemeClr val="tx1"/>
+        </a:solidFill>
+        <a:latin typeface="+mn-lt"/>
+        <a:ea typeface="+mn-ea"/>
+        <a:cs typeface="+mn-cs"/>
+      </a:defRPr>
+    </a:lvl6pPr>
+    <a:lvl7pPr marL="2743200" algn="l" defTabSz="914400" rtl="0" eaLnBrk="1" latinLnBrk="0" hangingPunct="1">
+      <a:defRPr sz="1800" kern="1200">
+        <a:solidFill>
+          <a:schemeClr val="tx1"/>
+        </a:solidFill>
+        <a:latin typeface="+mn-lt"/>
+        <a:ea typeface="+mn-ea"/>
+        <a:cs typeface="+mn-cs"/>
+      </a:defRPr>
+    </a:lvl7pPr>
+    <a:lvl8pPr marL="3200400" algn="l" defTabSz="914400" rtl="0" eaLnBrk="1" latinLnBrk="0" hangingPunct="1">
+      <a:defRPr sz="1800" kern="1200">
+        <a:solidFill>
+          <a:schemeClr val="tx1"/>
+        </a:solidFill>
+        <a:latin typeface="+mn-lt"/>
+        <a:ea typeface="+mn-ea"/>
+        <a:cs typeface="+mn-cs"/>
+      </a:defRPr>
+    </a:lvl8pPr>
+    <a:lvl9pPr marL="3657600" algn="l" defTabSz="914400" rtl="0" eaLnBrk="1" latinLnBrk="0" hangingPunct="1">
+      <a:defRPr sz="1800" kern="1200">
+        <a:solidFill>
+          <a:schemeClr val="tx1"/>
+        </a:solidFill>
+        <a:latin typeface="+mn-lt"/>
+        <a:ea typeface="+mn-ea"/>
+        <a:cs typeface="+mn-cs"/>
+      </a:defRPr>
+    </a:lvl9pPr>
+  </p:defaultTextStyle>
 </p:presentation>
 </file>
 
 <file path=ppt/slideLayouts/slideLayout1.xml><?xml version="1.0" encoding="utf-8"?>
-<p:sldLayout xmlns:a="http://schemas.openxmlformats.org/drawingml/2006/main" xmlns:p="http://schemas.openxmlformats.org/presentationml/2006/main" xmlns:r="http://schemas.openxmlformats.org/officeDocument/2006/relationships" type="blank" preserve="1">
+<p:sldLayout xmlns:a="http://schemas.openxmlformats.org/drawingml/2006/main" xmlns:r="http://schemas.openxmlformats.org/officeDocument/2006/relationships" xmlns:p="http://schemas.openxmlformats.org/presentationml/2006/main" type="blank" preserve="1">
   <p:cSld name="Blank Slide">
     <p:spTree>
       <p:nvGrpSpPr>
@@ -31,11 +126,14 @@
       </p:grpSpPr>
     </p:spTree>
   </p:cSld>
+  <p:clrMapOvr>
+    <a:masterClrMapping/>
+  </p:clrMapOvr>
 </p:sldLayout>
 </file>
 
 <file path=ppt/slideLayouts/slideLayout10.xml><?xml version="1.0" encoding="utf-8"?>
-<p:sldLayout xmlns:a="http://schemas.openxmlformats.org/drawingml/2006/main" xmlns:p="http://schemas.openxmlformats.org/presentationml/2006/main" xmlns:r="http://schemas.openxmlformats.org/officeDocument/2006/relationships" type="objOverTx" preserve="1">
+<p:sldLayout xmlns:a="http://schemas.openxmlformats.org/drawingml/2006/main" xmlns:r="http://schemas.openxmlformats.org/officeDocument/2006/relationships" xmlns:p="http://schemas.openxmlformats.org/presentationml/2006/main" type="objOverTx" preserve="1">
   <p:cSld name="Title, Content over Content">
     <p:spTree>
       <p:nvGrpSpPr>
@@ -71,7 +169,8 @@
           </a:prstGeom>
         </p:spPr>
         <p:txBody>
-          <a:bodyPr lIns="0" rIns="0" tIns="0" bIns="0" anchor="ctr"/>
+          <a:bodyPr lIns="0" tIns="0" rIns="0" bIns="0" anchor="ctr"/>
+          <a:lstStyle/>
           <a:p>
             <a:endParaRPr/>
           </a:p>
@@ -97,7 +196,8 @@
           </a:prstGeom>
         </p:spPr>
         <p:txBody>
-          <a:bodyPr lIns="0" rIns="0" tIns="0" bIns="0"/>
+          <a:bodyPr lIns="0" tIns="0" rIns="0" bIns="0"/>
+          <a:lstStyle/>
           <a:p>
             <a:endParaRPr/>
           </a:p>
@@ -123,7 +223,8 @@
           </a:prstGeom>
         </p:spPr>
         <p:txBody>
-          <a:bodyPr lIns="0" rIns="0" tIns="0" bIns="0"/>
+          <a:bodyPr lIns="0" tIns="0" rIns="0" bIns="0"/>
+          <a:lstStyle/>
           <a:p>
             <a:endParaRPr/>
           </a:p>
@@ -131,11 +232,14 @@
       </p:sp>
     </p:spTree>
   </p:cSld>
+  <p:clrMapOvr>
+    <a:masterClrMapping/>
+  </p:clrMapOvr>
 </p:sldLayout>
 </file>
 
 <file path=ppt/slideLayouts/slideLayout11.xml><?xml version="1.0" encoding="utf-8"?>
-<p:sldLayout xmlns:a="http://schemas.openxmlformats.org/drawingml/2006/main" xmlns:p="http://schemas.openxmlformats.org/presentationml/2006/main" xmlns:r="http://schemas.openxmlformats.org/officeDocument/2006/relationships" type="fourObj" preserve="1">
+<p:sldLayout xmlns:a="http://schemas.openxmlformats.org/drawingml/2006/main" xmlns:r="http://schemas.openxmlformats.org/officeDocument/2006/relationships" xmlns:p="http://schemas.openxmlformats.org/presentationml/2006/main" type="fourObj" preserve="1">
   <p:cSld name="Title, 4 Content">
     <p:spTree>
       <p:nvGrpSpPr>
@@ -171,7 +275,8 @@
           </a:prstGeom>
         </p:spPr>
         <p:txBody>
-          <a:bodyPr lIns="0" rIns="0" tIns="0" bIns="0" anchor="ctr"/>
+          <a:bodyPr lIns="0" tIns="0" rIns="0" bIns="0" anchor="ctr"/>
+          <a:lstStyle/>
           <a:p>
             <a:endParaRPr/>
           </a:p>
@@ -197,7 +302,8 @@
           </a:prstGeom>
         </p:spPr>
         <p:txBody>
-          <a:bodyPr lIns="0" rIns="0" tIns="0" bIns="0"/>
+          <a:bodyPr lIns="0" tIns="0" rIns="0" bIns="0"/>
+          <a:lstStyle/>
           <a:p>
             <a:endParaRPr/>
           </a:p>
@@ -223,7 +329,8 @@
           </a:prstGeom>
         </p:spPr>
         <p:txBody>
-          <a:bodyPr lIns="0" rIns="0" tIns="0" bIns="0"/>
+          <a:bodyPr lIns="0" tIns="0" rIns="0" bIns="0"/>
+          <a:lstStyle/>
           <a:p>
             <a:endParaRPr/>
           </a:p>
@@ -249,7 +356,8 @@
           </a:prstGeom>
         </p:spPr>
         <p:txBody>
-          <a:bodyPr lIns="0" rIns="0" tIns="0" bIns="0"/>
+          <a:bodyPr lIns="0" tIns="0" rIns="0" bIns="0"/>
+          <a:lstStyle/>
           <a:p>
             <a:endParaRPr/>
           </a:p>
@@ -275,7 +383,8 @@
           </a:prstGeom>
         </p:spPr>
         <p:txBody>
-          <a:bodyPr lIns="0" rIns="0" tIns="0" bIns="0"/>
+          <a:bodyPr lIns="0" tIns="0" rIns="0" bIns="0"/>
+          <a:lstStyle/>
           <a:p>
             <a:endParaRPr/>
           </a:p>
@@ -283,11 +392,14 @@
       </p:sp>
     </p:spTree>
   </p:cSld>
+  <p:clrMapOvr>
+    <a:masterClrMapping/>
+  </p:clrMapOvr>
 </p:sldLayout>
 </file>
 
 <file path=ppt/slideLayouts/slideLayout12.xml><?xml version="1.0" encoding="utf-8"?>
-<p:sldLayout xmlns:a="http://schemas.openxmlformats.org/drawingml/2006/main" xmlns:p="http://schemas.openxmlformats.org/presentationml/2006/main" xmlns:r="http://schemas.openxmlformats.org/officeDocument/2006/relationships" type="blank" preserve="1">
+<p:sldLayout xmlns:a="http://schemas.openxmlformats.org/drawingml/2006/main" xmlns:r="http://schemas.openxmlformats.org/officeDocument/2006/relationships" xmlns:p="http://schemas.openxmlformats.org/presentationml/2006/main" type="blank" preserve="1">
   <p:cSld name="Title, 6 Content">
     <p:spTree>
       <p:nvGrpSpPr>
@@ -323,7 +435,8 @@
           </a:prstGeom>
         </p:spPr>
         <p:txBody>
-          <a:bodyPr lIns="0" rIns="0" tIns="0" bIns="0" anchor="ctr"/>
+          <a:bodyPr lIns="0" tIns="0" rIns="0" bIns="0" anchor="ctr"/>
+          <a:lstStyle/>
           <a:p>
             <a:endParaRPr/>
           </a:p>
@@ -349,7 +462,8 @@
           </a:prstGeom>
         </p:spPr>
         <p:txBody>
-          <a:bodyPr lIns="0" rIns="0" tIns="0" bIns="0"/>
+          <a:bodyPr lIns="0" tIns="0" rIns="0" bIns="0"/>
+          <a:lstStyle/>
           <a:p>
             <a:endParaRPr/>
           </a:p>
@@ -375,7 +489,8 @@
           </a:prstGeom>
         </p:spPr>
         <p:txBody>
-          <a:bodyPr lIns="0" rIns="0" tIns="0" bIns="0"/>
+          <a:bodyPr lIns="0" tIns="0" rIns="0" bIns="0"/>
+          <a:lstStyle/>
           <a:p>
             <a:endParaRPr/>
           </a:p>
@@ -383,7 +498,7 @@
       </p:sp>
       <p:pic>
         <p:nvPicPr>
-          <p:cNvPr id="37" name="" descr=""/>
+          <p:cNvPr id="37" name="Image 36"/>
           <p:cNvPicPr/>
           <p:nvPr/>
         </p:nvPicPr>
@@ -408,12 +523,12 @@
       </p:pic>
       <p:pic>
         <p:nvPicPr>
-          <p:cNvPr id="38" name="" descr=""/>
+          <p:cNvPr id="38" name="Image 37"/>
           <p:cNvPicPr/>
           <p:nvPr/>
         </p:nvPicPr>
         <p:blipFill>
-          <a:blip r:embed="rId3"/>
+          <a:blip r:embed="rId2"/>
           <a:stretch>
             <a:fillRect/>
           </a:stretch>
@@ -433,11 +548,14 @@
       </p:pic>
     </p:spTree>
   </p:cSld>
+  <p:clrMapOvr>
+    <a:masterClrMapping/>
+  </p:clrMapOvr>
 </p:sldLayout>
 </file>
 
 <file path=ppt/slideLayouts/slideLayout2.xml><?xml version="1.0" encoding="utf-8"?>
-<p:sldLayout xmlns:a="http://schemas.openxmlformats.org/drawingml/2006/main" xmlns:p="http://schemas.openxmlformats.org/presentationml/2006/main" xmlns:r="http://schemas.openxmlformats.org/officeDocument/2006/relationships" type="tx" preserve="1">
+<p:sldLayout xmlns:a="http://schemas.openxmlformats.org/drawingml/2006/main" xmlns:r="http://schemas.openxmlformats.org/officeDocument/2006/relationships" xmlns:p="http://schemas.openxmlformats.org/presentationml/2006/main" type="tx" preserve="1">
   <p:cSld name="Title Slide">
     <p:spTree>
       <p:nvGrpSpPr>
@@ -473,7 +591,8 @@
           </a:prstGeom>
         </p:spPr>
         <p:txBody>
-          <a:bodyPr lIns="0" rIns="0" tIns="0" bIns="0" anchor="ctr"/>
+          <a:bodyPr lIns="0" tIns="0" rIns="0" bIns="0" anchor="ctr"/>
+          <a:lstStyle/>
           <a:p>
             <a:endParaRPr/>
           </a:p>
@@ -499,7 +618,8 @@
           </a:prstGeom>
         </p:spPr>
         <p:txBody>
-          <a:bodyPr lIns="0" rIns="0" tIns="0" bIns="0" anchor="ctr"/>
+          <a:bodyPr lIns="0" tIns="0" rIns="0" bIns="0" anchor="ctr"/>
+          <a:lstStyle/>
           <a:p>
             <a:pPr algn="ctr"/>
             <a:endParaRPr/>
@@ -508,11 +628,14 @@
       </p:sp>
     </p:spTree>
   </p:cSld>
+  <p:clrMapOvr>
+    <a:masterClrMapping/>
+  </p:clrMapOvr>
 </p:sldLayout>
 </file>
 
 <file path=ppt/slideLayouts/slideLayout3.xml><?xml version="1.0" encoding="utf-8"?>
-<p:sldLayout xmlns:a="http://schemas.openxmlformats.org/drawingml/2006/main" xmlns:p="http://schemas.openxmlformats.org/presentationml/2006/main" xmlns:r="http://schemas.openxmlformats.org/officeDocument/2006/relationships" type="obj" preserve="1">
+<p:sldLayout xmlns:a="http://schemas.openxmlformats.org/drawingml/2006/main" xmlns:r="http://schemas.openxmlformats.org/officeDocument/2006/relationships" xmlns:p="http://schemas.openxmlformats.org/presentationml/2006/main" type="obj" preserve="1">
   <p:cSld name="Title, Content">
     <p:spTree>
       <p:nvGrpSpPr>
@@ -548,7 +671,8 @@
           </a:prstGeom>
         </p:spPr>
         <p:txBody>
-          <a:bodyPr lIns="0" rIns="0" tIns="0" bIns="0" anchor="ctr"/>
+          <a:bodyPr lIns="0" tIns="0" rIns="0" bIns="0" anchor="ctr"/>
+          <a:lstStyle/>
           <a:p>
             <a:endParaRPr/>
           </a:p>
@@ -574,7 +698,8 @@
           </a:prstGeom>
         </p:spPr>
         <p:txBody>
-          <a:bodyPr lIns="0" rIns="0" tIns="0" bIns="0"/>
+          <a:bodyPr lIns="0" tIns="0" rIns="0" bIns="0"/>
+          <a:lstStyle/>
           <a:p>
             <a:endParaRPr/>
           </a:p>
@@ -582,11 +707,14 @@
       </p:sp>
     </p:spTree>
   </p:cSld>
+  <p:clrMapOvr>
+    <a:masterClrMapping/>
+  </p:clrMapOvr>
 </p:sldLayout>
 </file>
 
 <file path=ppt/slideLayouts/slideLayout4.xml><?xml version="1.0" encoding="utf-8"?>
-<p:sldLayout xmlns:a="http://schemas.openxmlformats.org/drawingml/2006/main" xmlns:p="http://schemas.openxmlformats.org/presentationml/2006/main" xmlns:r="http://schemas.openxmlformats.org/officeDocument/2006/relationships" type="twoObj" preserve="1">
+<p:sldLayout xmlns:a="http://schemas.openxmlformats.org/drawingml/2006/main" xmlns:r="http://schemas.openxmlformats.org/officeDocument/2006/relationships" xmlns:p="http://schemas.openxmlformats.org/presentationml/2006/main" type="twoObj" preserve="1">
   <p:cSld name="Title, 2 Content">
     <p:spTree>
       <p:nvGrpSpPr>
@@ -622,7 +750,8 @@
           </a:prstGeom>
         </p:spPr>
         <p:txBody>
-          <a:bodyPr lIns="0" rIns="0" tIns="0" bIns="0" anchor="ctr"/>
+          <a:bodyPr lIns="0" tIns="0" rIns="0" bIns="0" anchor="ctr"/>
+          <a:lstStyle/>
           <a:p>
             <a:endParaRPr/>
           </a:p>
@@ -648,7 +777,8 @@
           </a:prstGeom>
         </p:spPr>
         <p:txBody>
-          <a:bodyPr lIns="0" rIns="0" tIns="0" bIns="0"/>
+          <a:bodyPr lIns="0" tIns="0" rIns="0" bIns="0"/>
+          <a:lstStyle/>
           <a:p>
             <a:endParaRPr/>
           </a:p>
@@ -674,7 +804,8 @@
           </a:prstGeom>
         </p:spPr>
         <p:txBody>
-          <a:bodyPr lIns="0" rIns="0" tIns="0" bIns="0"/>
+          <a:bodyPr lIns="0" tIns="0" rIns="0" bIns="0"/>
+          <a:lstStyle/>
           <a:p>
             <a:endParaRPr/>
           </a:p>
@@ -682,11 +813,14 @@
       </p:sp>
     </p:spTree>
   </p:cSld>
+  <p:clrMapOvr>
+    <a:masterClrMapping/>
+  </p:clrMapOvr>
 </p:sldLayout>
 </file>
 
 <file path=ppt/slideLayouts/slideLayout5.xml><?xml version="1.0" encoding="utf-8"?>
-<p:sldLayout xmlns:a="http://schemas.openxmlformats.org/drawingml/2006/main" xmlns:p="http://schemas.openxmlformats.org/presentationml/2006/main" xmlns:r="http://schemas.openxmlformats.org/officeDocument/2006/relationships" type="titleOnly" preserve="1">
+<p:sldLayout xmlns:a="http://schemas.openxmlformats.org/drawingml/2006/main" xmlns:r="http://schemas.openxmlformats.org/officeDocument/2006/relationships" xmlns:p="http://schemas.openxmlformats.org/presentationml/2006/main" type="titleOnly" preserve="1">
   <p:cSld name="Title Only">
     <p:spTree>
       <p:nvGrpSpPr>
@@ -722,7 +856,8 @@
           </a:prstGeom>
         </p:spPr>
         <p:txBody>
-          <a:bodyPr lIns="0" rIns="0" tIns="0" bIns="0" anchor="ctr"/>
+          <a:bodyPr lIns="0" tIns="0" rIns="0" bIns="0" anchor="ctr"/>
+          <a:lstStyle/>
           <a:p>
             <a:endParaRPr/>
           </a:p>
@@ -730,11 +865,14 @@
       </p:sp>
     </p:spTree>
   </p:cSld>
+  <p:clrMapOvr>
+    <a:masterClrMapping/>
+  </p:clrMapOvr>
 </p:sldLayout>
 </file>
 
 <file path=ppt/slideLayouts/slideLayout6.xml><?xml version="1.0" encoding="utf-8"?>
-<p:sldLayout xmlns:a="http://schemas.openxmlformats.org/drawingml/2006/main" xmlns:p="http://schemas.openxmlformats.org/presentationml/2006/main" xmlns:r="http://schemas.openxmlformats.org/officeDocument/2006/relationships" type="objOnly" preserve="1">
+<p:sldLayout xmlns:a="http://schemas.openxmlformats.org/drawingml/2006/main" xmlns:r="http://schemas.openxmlformats.org/officeDocument/2006/relationships" xmlns:p="http://schemas.openxmlformats.org/presentationml/2006/main" type="objOnly" preserve="1">
   <p:cSld name="Centered Text">
     <p:spTree>
       <p:nvGrpSpPr>
@@ -770,7 +908,8 @@
           </a:prstGeom>
         </p:spPr>
         <p:txBody>
-          <a:bodyPr lIns="0" rIns="0" tIns="0" bIns="0" anchor="ctr"/>
+          <a:bodyPr lIns="0" tIns="0" rIns="0" bIns="0" anchor="ctr"/>
+          <a:lstStyle/>
           <a:p>
             <a:pPr algn="ctr"/>
             <a:endParaRPr/>
@@ -779,11 +918,14 @@
       </p:sp>
     </p:spTree>
   </p:cSld>
+  <p:clrMapOvr>
+    <a:masterClrMapping/>
+  </p:clrMapOvr>
 </p:sldLayout>
 </file>
 
 <file path=ppt/slideLayouts/slideLayout7.xml><?xml version="1.0" encoding="utf-8"?>
-<p:sldLayout xmlns:a="http://schemas.openxmlformats.org/drawingml/2006/main" xmlns:p="http://schemas.openxmlformats.org/presentationml/2006/main" xmlns:r="http://schemas.openxmlformats.org/officeDocument/2006/relationships" type="twoObjAndObj" preserve="1">
+<p:sldLayout xmlns:a="http://schemas.openxmlformats.org/drawingml/2006/main" xmlns:r="http://schemas.openxmlformats.org/officeDocument/2006/relationships" xmlns:p="http://schemas.openxmlformats.org/presentationml/2006/main" type="twoObjAndObj" preserve="1">
   <p:cSld name="Title, 2 Content and Content">
     <p:spTree>
       <p:nvGrpSpPr>
@@ -819,7 +961,8 @@
           </a:prstGeom>
         </p:spPr>
         <p:txBody>
-          <a:bodyPr lIns="0" rIns="0" tIns="0" bIns="0" anchor="ctr"/>
+          <a:bodyPr lIns="0" tIns="0" rIns="0" bIns="0" anchor="ctr"/>
+          <a:lstStyle/>
           <a:p>
             <a:endParaRPr/>
           </a:p>
@@ -845,7 +988,8 @@
           </a:prstGeom>
         </p:spPr>
         <p:txBody>
-          <a:bodyPr lIns="0" rIns="0" tIns="0" bIns="0"/>
+          <a:bodyPr lIns="0" tIns="0" rIns="0" bIns="0"/>
+          <a:lstStyle/>
           <a:p>
             <a:endParaRPr/>
           </a:p>
@@ -871,7 +1015,8 @@
           </a:prstGeom>
         </p:spPr>
         <p:txBody>
-          <a:bodyPr lIns="0" rIns="0" tIns="0" bIns="0"/>
+          <a:bodyPr lIns="0" tIns="0" rIns="0" bIns="0"/>
+          <a:lstStyle/>
           <a:p>
             <a:endParaRPr/>
           </a:p>
@@ -897,7 +1042,8 @@
           </a:prstGeom>
         </p:spPr>
         <p:txBody>
-          <a:bodyPr lIns="0" rIns="0" tIns="0" bIns="0"/>
+          <a:bodyPr lIns="0" tIns="0" rIns="0" bIns="0"/>
+          <a:lstStyle/>
           <a:p>
             <a:endParaRPr/>
           </a:p>
@@ -905,11 +1051,14 @@
       </p:sp>
     </p:spTree>
   </p:cSld>
+  <p:clrMapOvr>
+    <a:masterClrMapping/>
+  </p:clrMapOvr>
 </p:sldLayout>
 </file>
 
 <file path=ppt/slideLayouts/slideLayout8.xml><?xml version="1.0" encoding="utf-8"?>
-<p:sldLayout xmlns:a="http://schemas.openxmlformats.org/drawingml/2006/main" xmlns:p="http://schemas.openxmlformats.org/presentationml/2006/main" xmlns:r="http://schemas.openxmlformats.org/officeDocument/2006/relationships" type="objAndTwoObj" preserve="1">
+<p:sldLayout xmlns:a="http://schemas.openxmlformats.org/drawingml/2006/main" xmlns:r="http://schemas.openxmlformats.org/officeDocument/2006/relationships" xmlns:p="http://schemas.openxmlformats.org/presentationml/2006/main" type="objAndTwoObj" preserve="1">
   <p:cSld name="Title Content and 2 Content">
     <p:spTree>
       <p:nvGrpSpPr>
@@ -945,7 +1094,8 @@
           </a:prstGeom>
         </p:spPr>
         <p:txBody>
-          <a:bodyPr lIns="0" rIns="0" tIns="0" bIns="0" anchor="ctr"/>
+          <a:bodyPr lIns="0" tIns="0" rIns="0" bIns="0" anchor="ctr"/>
+          <a:lstStyle/>
           <a:p>
             <a:endParaRPr/>
           </a:p>
@@ -971,7 +1121,8 @@
           </a:prstGeom>
         </p:spPr>
         <p:txBody>
-          <a:bodyPr lIns="0" rIns="0" tIns="0" bIns="0"/>
+          <a:bodyPr lIns="0" tIns="0" rIns="0" bIns="0"/>
+          <a:lstStyle/>
           <a:p>
             <a:endParaRPr/>
           </a:p>
@@ -997,7 +1148,8 @@
           </a:prstGeom>
         </p:spPr>
         <p:txBody>
-          <a:bodyPr lIns="0" rIns="0" tIns="0" bIns="0"/>
+          <a:bodyPr lIns="0" tIns="0" rIns="0" bIns="0"/>
+          <a:lstStyle/>
           <a:p>
             <a:endParaRPr/>
           </a:p>
@@ -1023,7 +1175,8 @@
           </a:prstGeom>
         </p:spPr>
         <p:txBody>
-          <a:bodyPr lIns="0" rIns="0" tIns="0" bIns="0"/>
+          <a:bodyPr lIns="0" tIns="0" rIns="0" bIns="0"/>
+          <a:lstStyle/>
           <a:p>
             <a:endParaRPr/>
           </a:p>
@@ -1031,11 +1184,14 @@
       </p:sp>
     </p:spTree>
   </p:cSld>
+  <p:clrMapOvr>
+    <a:masterClrMapping/>
+  </p:clrMapOvr>
 </p:sldLayout>
 </file>
 
 <file path=ppt/slideLayouts/slideLayout9.xml><?xml version="1.0" encoding="utf-8"?>
-<p:sldLayout xmlns:a="http://schemas.openxmlformats.org/drawingml/2006/main" xmlns:p="http://schemas.openxmlformats.org/presentationml/2006/main" xmlns:r="http://schemas.openxmlformats.org/officeDocument/2006/relationships" type="twoObjOverTx" preserve="1">
+<p:sldLayout xmlns:a="http://schemas.openxmlformats.org/drawingml/2006/main" xmlns:r="http://schemas.openxmlformats.org/officeDocument/2006/relationships" xmlns:p="http://schemas.openxmlformats.org/presentationml/2006/main" type="twoObjOverTx" preserve="1">
   <p:cSld name="Title, 2 Content over Content">
     <p:spTree>
       <p:nvGrpSpPr>
@@ -1071,7 +1227,8 @@
           </a:prstGeom>
         </p:spPr>
         <p:txBody>
-          <a:bodyPr lIns="0" rIns="0" tIns="0" bIns="0" anchor="ctr"/>
+          <a:bodyPr lIns="0" tIns="0" rIns="0" bIns="0" anchor="ctr"/>
+          <a:lstStyle/>
           <a:p>
             <a:endParaRPr/>
           </a:p>
@@ -1097,7 +1254,8 @@
           </a:prstGeom>
         </p:spPr>
         <p:txBody>
-          <a:bodyPr lIns="0" rIns="0" tIns="0" bIns="0"/>
+          <a:bodyPr lIns="0" tIns="0" rIns="0" bIns="0"/>
+          <a:lstStyle/>
           <a:p>
             <a:endParaRPr/>
           </a:p>
@@ -1123,7 +1281,8 @@
           </a:prstGeom>
         </p:spPr>
         <p:txBody>
-          <a:bodyPr lIns="0" rIns="0" tIns="0" bIns="0"/>
+          <a:bodyPr lIns="0" tIns="0" rIns="0" bIns="0"/>
+          <a:lstStyle/>
           <a:p>
             <a:endParaRPr/>
           </a:p>
@@ -1149,7 +1308,8 @@
           </a:prstGeom>
         </p:spPr>
         <p:txBody>
-          <a:bodyPr lIns="0" rIns="0" tIns="0" bIns="0"/>
+          <a:bodyPr lIns="0" tIns="0" rIns="0" bIns="0"/>
+          <a:lstStyle/>
           <a:p>
             <a:endParaRPr/>
           </a:p>
@@ -1157,17 +1317,21 @@
       </p:sp>
     </p:spTree>
   </p:cSld>
+  <p:clrMapOvr>
+    <a:masterClrMapping/>
+  </p:clrMapOvr>
 </p:sldLayout>
 </file>
 
 <file path=ppt/slideMasters/slideMaster1.xml><?xml version="1.0" encoding="utf-8"?>
-<p:sldMaster xmlns:a="http://schemas.openxmlformats.org/drawingml/2006/main" xmlns:p="http://schemas.openxmlformats.org/presentationml/2006/main" xmlns:r="http://schemas.openxmlformats.org/officeDocument/2006/relationships">
+<p:sldMaster xmlns:a="http://schemas.openxmlformats.org/drawingml/2006/main" xmlns:r="http://schemas.openxmlformats.org/officeDocument/2006/relationships" xmlns:p="http://schemas.openxmlformats.org/presentationml/2006/main">
   <p:cSld>
     <p:bg>
       <p:bgPr>
         <a:solidFill>
-          <a:srgbClr val="ffffff"/>
+          <a:srgbClr val="FFFFFF"/>
         </a:solidFill>
+        <a:effectLst/>
       </p:bgPr>
     </p:bg>
     <p:spTree>
@@ -1186,7 +1350,7 @@
       </p:grpSpPr>
       <p:sp>
         <p:nvSpPr>
-          <p:cNvPr id="0" name="PlaceHolder 1"/>
+          <p:cNvPr id="5" name="PlaceHolder 1"/>
           <p:cNvSpPr>
             <a:spLocks noGrp="1"/>
           </p:cNvSpPr>
@@ -1204,7 +1368,8 @@
           </a:prstGeom>
         </p:spPr>
         <p:txBody>
-          <a:bodyPr lIns="57960" rIns="57960" tIns="29160" bIns="29160" anchor="ctr"/>
+          <a:bodyPr lIns="57960" tIns="29160" rIns="57960" bIns="29160" anchor="ctr"/>
+          <a:lstStyle/>
           <a:p>
             <a:pPr algn="ctr">
               <a:lnSpc>
@@ -1226,7 +1391,7 @@
       </p:sp>
       <p:sp>
         <p:nvSpPr>
-          <p:cNvPr id="1" name="PlaceHolder 2"/>
+          <p:cNvPr id="6" name="PlaceHolder 2"/>
           <p:cNvSpPr>
             <a:spLocks noGrp="1"/>
           </p:cNvSpPr>
@@ -1244,7 +1409,8 @@
           </a:prstGeom>
         </p:spPr>
         <p:txBody>
-          <a:bodyPr lIns="57960" rIns="57960" tIns="29160" bIns="29160" anchor="ctr"/>
+          <a:bodyPr lIns="57960" tIns="29160" rIns="57960" bIns="29160" anchor="ctr"/>
+          <a:lstStyle/>
           <a:p>
             <a:pPr>
               <a:lnSpc>
@@ -1254,7 +1420,7 @@
             <a:r>
               <a:rPr lang="en-US" sz="800">
                 <a:solidFill>
-                  <a:srgbClr val="8b8b8b"/>
+                  <a:srgbClr val="8B8B8B"/>
                 </a:solidFill>
                 <a:latin typeface="Calibri"/>
               </a:rPr>
@@ -1284,7 +1450,8 @@
           </a:prstGeom>
         </p:spPr>
         <p:txBody>
-          <a:bodyPr lIns="57960" rIns="57960" tIns="29160" bIns="29160" anchor="ctr"/>
+          <a:bodyPr lIns="57960" tIns="29160" rIns="57960" bIns="29160" anchor="ctr"/>
+          <a:lstStyle/>
           <a:p>
             <a:endParaRPr/>
           </a:p>
@@ -1310,7 +1477,8 @@
           </a:prstGeom>
         </p:spPr>
         <p:txBody>
-          <a:bodyPr lIns="57960" rIns="57960" tIns="29160" bIns="29160" anchor="ctr"/>
+          <a:bodyPr lIns="57960" tIns="29160" rIns="57960" bIns="29160" anchor="ctr"/>
+          <a:lstStyle/>
           <a:p>
             <a:pPr algn="r">
               <a:lnSpc>
@@ -1320,11 +1488,11 @@
             <a:fld id="{D3C3EB4E-AAE0-4F5A-BE5B-9B272903F1BB}" type="slidenum">
               <a:rPr lang="en-US" sz="800">
                 <a:solidFill>
-                  <a:srgbClr val="8b8b8b"/>
+                  <a:srgbClr val="8B8B8B"/>
                 </a:solidFill>
                 <a:latin typeface="Calibri"/>
               </a:rPr>
-              <a:t>&lt;number&gt;</a:t>
+              <a:t>‹N°›</a:t>
             </a:fld>
             <a:endParaRPr/>
           </a:p>
@@ -1350,7 +1518,8 @@
           </a:prstGeom>
         </p:spPr>
         <p:txBody>
-          <a:bodyPr lIns="0" rIns="0" tIns="0" bIns="0"/>
+          <a:bodyPr lIns="0" tIns="0" rIns="0" bIns="0"/>
+          <a:lstStyle/>
           <a:p>
             <a:pPr>
               <a:buSzPct val="45000"/>
@@ -1453,26 +1622,31 @@
       </p:sp>
     </p:spTree>
   </p:cSld>
-  <p:clrMap bg1="lt1" bg2="lt2" tx1="dk1" tx2="dk2" accent1="accent1" accent2="accent2" accent3="accent3" accent4="accent4" accent5="accent5" accent6="accent6" hlink="hlink" folHlink="folHlink"/>
+  <p:clrMap bg1="lt1" tx1="dk1" bg2="lt2" tx2="dk2" accent1="accent1" accent2="accent2" accent3="accent3" accent4="accent4" accent5="accent5" accent6="accent6" hlink="hlink" folHlink="folHlink"/>
   <p:sldLayoutIdLst>
-    <p:sldLayoutId id="2147483649" r:id="rId2"/>
-    <p:sldLayoutId id="2147483650" r:id="rId3"/>
-    <p:sldLayoutId id="2147483651" r:id="rId4"/>
-    <p:sldLayoutId id="2147483652" r:id="rId5"/>
-    <p:sldLayoutId id="2147483653" r:id="rId6"/>
-    <p:sldLayoutId id="2147483654" r:id="rId7"/>
-    <p:sldLayoutId id="2147483655" r:id="rId8"/>
-    <p:sldLayoutId id="2147483656" r:id="rId9"/>
-    <p:sldLayoutId id="2147483657" r:id="rId10"/>
-    <p:sldLayoutId id="2147483658" r:id="rId11"/>
-    <p:sldLayoutId id="2147483659" r:id="rId12"/>
-    <p:sldLayoutId id="2147483660" r:id="rId13"/>
+    <p:sldLayoutId id="2147483649" r:id="rId1"/>
+    <p:sldLayoutId id="2147483650" r:id="rId2"/>
+    <p:sldLayoutId id="2147483651" r:id="rId3"/>
+    <p:sldLayoutId id="2147483652" r:id="rId4"/>
+    <p:sldLayoutId id="2147483653" r:id="rId5"/>
+    <p:sldLayoutId id="2147483654" r:id="rId6"/>
+    <p:sldLayoutId id="2147483655" r:id="rId7"/>
+    <p:sldLayoutId id="2147483656" r:id="rId8"/>
+    <p:sldLayoutId id="2147483657" r:id="rId9"/>
+    <p:sldLayoutId id="2147483658" r:id="rId10"/>
+    <p:sldLayoutId id="2147483659" r:id="rId11"/>
+    <p:sldLayoutId id="2147483660" r:id="rId12"/>
   </p:sldLayoutIdLst>
+  <p:txStyles>
+    <p:titleStyle/>
+    <p:bodyStyle/>
+    <p:otherStyle/>
+  </p:txStyles>
 </p:sldMaster>
 </file>
 
 <file path=ppt/slides/slide1.xml><?xml version="1.0" encoding="utf-8"?>
-<p:sld xmlns:a="http://schemas.openxmlformats.org/drawingml/2006/main" xmlns:p="http://schemas.openxmlformats.org/presentationml/2006/main" xmlns:r="http://schemas.openxmlformats.org/officeDocument/2006/relationships">
+<p:sld xmlns:a="http://schemas.openxmlformats.org/drawingml/2006/main" xmlns:r="http://schemas.openxmlformats.org/officeDocument/2006/relationships" xmlns:p="http://schemas.openxmlformats.org/presentationml/2006/main">
   <p:cSld>
     <p:spTree>
       <p:nvGrpSpPr>
@@ -1490,46 +1664,20 @@
       </p:grpSpPr>
       <p:pic>
         <p:nvPicPr>
-          <p:cNvPr id="39" name="Picture 4" descr=""/>
-          <p:cNvPicPr/>
-          <p:nvPr/>
-        </p:nvPicPr>
-        <p:blipFill>
-          <a:blip r:embed="rId1"/>
-          <a:stretch>
-            <a:fillRect/>
-          </a:stretch>
-        </p:blipFill>
-        <p:spPr>
-          <a:xfrm>
-            <a:off x="1823040" y="23760"/>
-            <a:ext cx="2569320" cy="1497960"/>
-          </a:xfrm>
-          <a:prstGeom prst="rect">
-            <a:avLst/>
-          </a:prstGeom>
-          <a:ln>
-            <a:noFill/>
-          </a:ln>
-        </p:spPr>
-      </p:pic>
-      <p:pic>
-        <p:nvPicPr>
-          <p:cNvPr id="40" name="Picture 3" descr=""/>
+          <p:cNvPr id="39" name="Picture 4"/>
           <p:cNvPicPr/>
           <p:nvPr/>
         </p:nvPicPr>
         <p:blipFill>
           <a:blip r:embed="rId2"/>
-          <a:srcRect l="0" t="0" r="10151" b="0"/>
           <a:stretch>
             <a:fillRect/>
           </a:stretch>
         </p:blipFill>
         <p:spPr>
           <a:xfrm>
-            <a:off x="-1440" y="18000"/>
-            <a:ext cx="2342160" cy="1518120"/>
+            <a:off x="1823040" y="23760"/>
+            <a:ext cx="2569320" cy="1497960"/>
           </a:xfrm>
           <a:prstGeom prst="rect">
             <a:avLst/>
@@ -1541,21 +1689,21 @@
       </p:pic>
       <p:pic>
         <p:nvPicPr>
-          <p:cNvPr id="41" name="Picture 4" descr=""/>
+          <p:cNvPr id="40" name="Picture 3"/>
           <p:cNvPicPr/>
           <p:nvPr/>
         </p:nvPicPr>
         <p:blipFill>
           <a:blip r:embed="rId3"/>
-          <a:srcRect l="3981" t="1675" r="7740" b="0"/>
+          <a:srcRect r="10151"/>
           <a:stretch>
             <a:fillRect/>
           </a:stretch>
         </p:blipFill>
         <p:spPr>
           <a:xfrm>
-            <a:off x="2011320" y="1180440"/>
-            <a:ext cx="2141640" cy="4657320"/>
+            <a:off x="-1440" y="18000"/>
+            <a:ext cx="2342160" cy="1518120"/>
           </a:xfrm>
           <a:prstGeom prst="rect">
             <a:avLst/>
@@ -1567,21 +1715,21 @@
       </p:pic>
       <p:pic>
         <p:nvPicPr>
-          <p:cNvPr id="42" name="Picture 7" descr=""/>
+          <p:cNvPr id="41" name="Picture 4"/>
           <p:cNvPicPr/>
           <p:nvPr/>
         </p:nvPicPr>
         <p:blipFill>
           <a:blip r:embed="rId4"/>
-          <a:srcRect l="0" t="1623" r="7657" b="0"/>
+          <a:srcRect l="3981" t="1675" r="7740"/>
           <a:stretch>
             <a:fillRect/>
           </a:stretch>
         </p:blipFill>
         <p:spPr>
           <a:xfrm>
-            <a:off x="106560" y="1175760"/>
-            <a:ext cx="2255400" cy="4661640"/>
+            <a:off x="2011320" y="1180440"/>
+            <a:ext cx="2141640" cy="4657320"/>
           </a:xfrm>
           <a:prstGeom prst="rect">
             <a:avLst/>
@@ -1591,6 +1739,32 @@
           </a:ln>
         </p:spPr>
       </p:pic>
+      <p:pic>
+        <p:nvPicPr>
+          <p:cNvPr id="42" name="Picture 7"/>
+          <p:cNvPicPr/>
+          <p:nvPr/>
+        </p:nvPicPr>
+        <p:blipFill>
+          <a:blip r:embed="rId5"/>
+          <a:srcRect t="1623" r="7657"/>
+          <a:stretch>
+            <a:fillRect/>
+          </a:stretch>
+        </p:blipFill>
+        <p:spPr>
+          <a:xfrm>
+            <a:off x="106560" y="1175760"/>
+            <a:ext cx="2255400" cy="4661640"/>
+          </a:xfrm>
+          <a:prstGeom prst="rect">
+            <a:avLst/>
+          </a:prstGeom>
+          <a:ln>
+            <a:noFill/>
+          </a:ln>
+        </p:spPr>
+      </p:pic>
       <p:sp>
         <p:nvSpPr>
           <p:cNvPr id="43" name="CustomShape 1"/>
@@ -1599,7 +1773,7 @@
         </p:nvSpPr>
         <p:spPr>
           <a:xfrm>
-            <a:off x="2754000" y="2755800"/>
+            <a:off x="2739947" y="2755800"/>
             <a:ext cx="500760" cy="395640"/>
           </a:xfrm>
           <a:prstGeom prst="ellipse">
@@ -1608,8 +1782,9 @@
           <a:noFill/>
           <a:ln w="19080">
             <a:solidFill>
-              <a:srgbClr val="ff0000"/>
+              <a:srgbClr val="FF0000"/>
             </a:solidFill>
+            <a:prstDash val="dash"/>
             <a:round/>
           </a:ln>
         </p:spPr>
@@ -1622,8 +1797,8 @@
         </p:nvSpPr>
         <p:spPr>
           <a:xfrm>
-            <a:off x="1670760" y="3511440"/>
-            <a:ext cx="500760" cy="395640"/>
+            <a:off x="1659827" y="3402260"/>
+            <a:ext cx="441133" cy="395640"/>
           </a:xfrm>
           <a:prstGeom prst="ellipse">
             <a:avLst/>
@@ -1631,8 +1806,9 @@
           <a:noFill/>
           <a:ln w="19080">
             <a:solidFill>
-              <a:srgbClr val="ff0000"/>
+              <a:srgbClr val="FF0000"/>
             </a:solidFill>
+            <a:prstDash val="dash"/>
             <a:round/>
           </a:ln>
         </p:spPr>
@@ -1657,7 +1833,8 @@
           </a:ln>
         </p:spPr>
         <p:txBody>
-          <a:bodyPr wrap="none" lIns="90000" rIns="90000" tIns="45000" bIns="45000"/>
+          <a:bodyPr wrap="none" lIns="90000" tIns="45000" rIns="90000" bIns="45000"/>
+          <a:lstStyle/>
           <a:p>
             <a:pPr>
               <a:lnSpc>
@@ -1665,15 +1842,15 @@
               </a:lnSpc>
             </a:pPr>
             <a:r>
-              <a:rPr b="1" lang="en-US" sz="1400">
+              <a:rPr lang="en-US" sz="1400" b="1" dirty="0">
                 <a:solidFill>
-                  <a:srgbClr val="ff0000"/>
+                  <a:srgbClr val="FF0000"/>
                 </a:solidFill>
                 <a:latin typeface="Times New Roman"/>
               </a:rPr>
               <a:t>QD3</a:t>
             </a:r>
-            <a:endParaRPr/>
+            <a:endParaRPr dirty="0"/>
           </a:p>
         </p:txBody>
       </p:sp>
@@ -1697,7 +1874,8 @@
           </a:ln>
         </p:spPr>
         <p:txBody>
-          <a:bodyPr wrap="none" lIns="90000" rIns="90000" tIns="45000" bIns="45000"/>
+          <a:bodyPr wrap="none" lIns="90000" tIns="45000" rIns="90000" bIns="45000"/>
+          <a:lstStyle/>
           <a:p>
             <a:pPr>
               <a:lnSpc>
@@ -1705,15 +1883,15 @@
               </a:lnSpc>
             </a:pPr>
             <a:r>
-              <a:rPr b="1" lang="en-US" sz="1400">
+              <a:rPr lang="en-US" sz="1400" b="1" dirty="0">
                 <a:solidFill>
-                  <a:srgbClr val="ff0000"/>
+                  <a:srgbClr val="FF0000"/>
                 </a:solidFill>
                 <a:latin typeface="Times New Roman"/>
               </a:rPr>
               <a:t>QD3</a:t>
             </a:r>
-            <a:endParaRPr/>
+            <a:endParaRPr dirty="0"/>
           </a:p>
         </p:txBody>
       </p:sp>
@@ -1737,7 +1915,8 @@
           </a:ln>
         </p:spPr>
         <p:txBody>
-          <a:bodyPr wrap="none" lIns="90000" rIns="90000" tIns="45000" bIns="45000"/>
+          <a:bodyPr wrap="none" lIns="90000" tIns="45000" rIns="90000" bIns="45000"/>
+          <a:lstStyle/>
           <a:p>
             <a:pPr>
               <a:lnSpc>
@@ -1745,33 +1924,33 @@
               </a:lnSpc>
             </a:pPr>
             <a:r>
-              <a:rPr b="1" lang="en-US" sz="1400">
+              <a:rPr lang="en-US" sz="1400" b="1" dirty="0">
                 <a:solidFill>
-                  <a:srgbClr val="ff0000"/>
+                  <a:srgbClr val="FF0000"/>
                 </a:solidFill>
                 <a:latin typeface="Times New Roman"/>
               </a:rPr>
               <a:t>X</a:t>
             </a:r>
             <a:r>
-              <a:rPr b="1" lang="en-US" sz="1400" baseline="30000">
+              <a:rPr lang="en-US" sz="1400" b="1" baseline="30000" dirty="0">
                 <a:solidFill>
-                  <a:srgbClr val="ff0000"/>
+                  <a:srgbClr val="FF0000"/>
                 </a:solidFill>
                 <a:latin typeface="Times New Roman"/>
               </a:rPr>
               <a:t>2</a:t>
             </a:r>
             <a:r>
-              <a:rPr b="1" lang="en-US" sz="1400">
+              <a:rPr lang="en-US" sz="1400" b="1" dirty="0">
                 <a:solidFill>
-                  <a:srgbClr val="ff0000"/>
+                  <a:srgbClr val="FF0000"/>
                 </a:solidFill>
                 <a:latin typeface="Times New Roman"/>
               </a:rPr>
               <a:t>-Cr</a:t>
             </a:r>
-            <a:endParaRPr/>
+            <a:endParaRPr dirty="0"/>
           </a:p>
         </p:txBody>
       </p:sp>
@@ -1795,7 +1974,8 @@
           </a:ln>
         </p:spPr>
         <p:txBody>
-          <a:bodyPr wrap="none" lIns="90000" rIns="90000" tIns="45000" bIns="45000"/>
+          <a:bodyPr wrap="none" lIns="90000" tIns="45000" rIns="90000" bIns="45000"/>
+          <a:lstStyle/>
           <a:p>
             <a:pPr>
               <a:lnSpc>
@@ -1803,15 +1983,15 @@
               </a:lnSpc>
             </a:pPr>
             <a:r>
-              <a:rPr b="1" lang="en-US" sz="1400">
+              <a:rPr lang="en-US" sz="1400" b="1" dirty="0">
                 <a:solidFill>
-                  <a:srgbClr val="ff0000"/>
+                  <a:srgbClr val="FF0000"/>
                 </a:solidFill>
                 <a:latin typeface="Times New Roman"/>
               </a:rPr>
               <a:t>X-Cr</a:t>
             </a:r>
-            <a:endParaRPr/>
+            <a:endParaRPr dirty="0"/>
           </a:p>
         </p:txBody>
       </p:sp>
@@ -1835,7 +2015,8 @@
           </a:ln>
         </p:spPr>
         <p:txBody>
-          <a:bodyPr wrap="none" lIns="90000" rIns="90000" tIns="45000" bIns="45000"/>
+          <a:bodyPr wrap="none" lIns="90000" tIns="45000" rIns="90000" bIns="45000"/>
+          <a:lstStyle/>
           <a:p>
             <a:pPr>
               <a:lnSpc>
@@ -1843,24 +2024,24 @@
               </a:lnSpc>
             </a:pPr>
             <a:r>
-              <a:rPr lang="en-US" sz="1600">
+              <a:rPr lang="en-US" sz="2400" dirty="0">
                 <a:solidFill>
-                  <a:srgbClr val="ff0000"/>
+                  <a:srgbClr val="FF0000"/>
                 </a:solidFill>
                 <a:latin typeface="Symbol"/>
               </a:rPr>
               <a:t>s</a:t>
             </a:r>
             <a:r>
-              <a:rPr lang="en-US" sz="1600">
+              <a:rPr lang="en-US" sz="2400" dirty="0">
                 <a:solidFill>
-                  <a:srgbClr val="ff0000"/>
+                  <a:srgbClr val="FF0000"/>
                 </a:solidFill>
                 <a:latin typeface="Calibri"/>
               </a:rPr>
               <a:t>+</a:t>
             </a:r>
-            <a:endParaRPr/>
+            <a:endParaRPr sz="2400" dirty="0"/>
           </a:p>
         </p:txBody>
       </p:sp>
@@ -1872,8 +2053,8 @@
         </p:nvSpPr>
         <p:spPr>
           <a:xfrm>
-            <a:off x="2425320" y="4915800"/>
-            <a:ext cx="470880" cy="333720"/>
+            <a:off x="2376611" y="4915800"/>
+            <a:ext cx="470880" cy="430560"/>
           </a:xfrm>
           <a:prstGeom prst="rect">
             <a:avLst/>
@@ -1884,7 +2065,8 @@
           </a:ln>
         </p:spPr>
         <p:txBody>
-          <a:bodyPr wrap="none" lIns="90000" rIns="90000" tIns="45000" bIns="45000"/>
+          <a:bodyPr wrap="none" lIns="90000" tIns="45000" rIns="90000" bIns="45000"/>
+          <a:lstStyle/>
           <a:p>
             <a:pPr>
               <a:lnSpc>
@@ -1892,24 +2074,24 @@
               </a:lnSpc>
             </a:pPr>
             <a:r>
-              <a:rPr lang="en-US" sz="1600">
+              <a:rPr lang="en-US" sz="2400" dirty="0">
                 <a:solidFill>
-                  <a:srgbClr val="ff0000"/>
+                  <a:srgbClr val="FF0000"/>
                 </a:solidFill>
                 <a:latin typeface="Symbol"/>
               </a:rPr>
               <a:t>s</a:t>
             </a:r>
             <a:r>
-              <a:rPr lang="en-US" sz="1600">
+              <a:rPr lang="en-US" sz="2400" dirty="0">
                 <a:solidFill>
-                  <a:srgbClr val="ff0000"/>
+                  <a:srgbClr val="FF0000"/>
                 </a:solidFill>
                 <a:latin typeface="Calibri"/>
               </a:rPr>
               <a:t>+</a:t>
             </a:r>
-            <a:endParaRPr/>
+            <a:endParaRPr sz="2400" dirty="0"/>
           </a:p>
         </p:txBody>
       </p:sp>
@@ -1921,8 +2103,8 @@
         </p:nvSpPr>
         <p:spPr>
           <a:xfrm>
-            <a:off x="1726200" y="1882800"/>
-            <a:ext cx="374760" cy="333720"/>
+            <a:off x="680580" y="1242020"/>
+            <a:ext cx="374760" cy="369160"/>
           </a:xfrm>
           <a:prstGeom prst="rect">
             <a:avLst/>
@@ -1933,7 +2115,8 @@
           </a:ln>
         </p:spPr>
         <p:txBody>
-          <a:bodyPr wrap="none" lIns="90000" rIns="90000" tIns="45000" bIns="45000"/>
+          <a:bodyPr wrap="none" lIns="90000" tIns="45000" rIns="90000" bIns="45000"/>
+          <a:lstStyle/>
           <a:p>
             <a:pPr>
               <a:lnSpc>
@@ -1941,24 +2124,24 @@
               </a:lnSpc>
             </a:pPr>
             <a:r>
-              <a:rPr lang="en-US" sz="1600">
+              <a:rPr lang="en-US" sz="2400" dirty="0">
                 <a:solidFill>
-                  <a:srgbClr val="ff0000"/>
+                  <a:srgbClr val="FF0000"/>
                 </a:solidFill>
                 <a:latin typeface="Symbol"/>
               </a:rPr>
               <a:t>s</a:t>
             </a:r>
             <a:r>
-              <a:rPr lang="en-US" sz="1600">
+              <a:rPr lang="en-US" sz="2400" dirty="0">
                 <a:solidFill>
-                  <a:srgbClr val="ff0000"/>
+                  <a:srgbClr val="FF0000"/>
                 </a:solidFill>
                 <a:latin typeface="Calibri"/>
               </a:rPr>
               <a:t>-</a:t>
             </a:r>
-            <a:endParaRPr/>
+            <a:endParaRPr sz="2400" dirty="0"/>
           </a:p>
         </p:txBody>
       </p:sp>
@@ -1970,8 +2153,8 @@
         </p:nvSpPr>
         <p:spPr>
           <a:xfrm>
-            <a:off x="3650400" y="1882440"/>
-            <a:ext cx="374760" cy="333720"/>
+            <a:off x="2376611" y="1242020"/>
+            <a:ext cx="374760" cy="501460"/>
           </a:xfrm>
           <a:prstGeom prst="rect">
             <a:avLst/>
@@ -1982,7 +2165,8 @@
           </a:ln>
         </p:spPr>
         <p:txBody>
-          <a:bodyPr wrap="none" lIns="90000" rIns="90000" tIns="45000" bIns="45000"/>
+          <a:bodyPr wrap="none" lIns="90000" tIns="45000" rIns="90000" bIns="45000"/>
+          <a:lstStyle/>
           <a:p>
             <a:pPr>
               <a:lnSpc>
@@ -1990,24 +2174,24 @@
               </a:lnSpc>
             </a:pPr>
             <a:r>
-              <a:rPr lang="en-US" sz="1600">
+              <a:rPr lang="en-US" sz="2400" dirty="0">
                 <a:solidFill>
-                  <a:srgbClr val="ff0000"/>
+                  <a:srgbClr val="FF0000"/>
                 </a:solidFill>
                 <a:latin typeface="Symbol"/>
               </a:rPr>
               <a:t>s</a:t>
             </a:r>
             <a:r>
-              <a:rPr lang="en-US" sz="1600">
+              <a:rPr lang="en-US" sz="2400" dirty="0">
                 <a:solidFill>
-                  <a:srgbClr val="ff0000"/>
+                  <a:srgbClr val="FF0000"/>
                 </a:solidFill>
                 <a:latin typeface="Calibri"/>
               </a:rPr>
               <a:t>-</a:t>
             </a:r>
-            <a:endParaRPr/>
+            <a:endParaRPr sz="2400" dirty="0"/>
           </a:p>
         </p:txBody>
       </p:sp>
@@ -2026,11 +2210,11 @@
             <a:avLst/>
           </a:prstGeom>
           <a:solidFill>
-            <a:srgbClr val="ffffff"/>
+            <a:srgbClr val="FFFFFF"/>
           </a:solidFill>
           <a:ln w="25560">
             <a:solidFill>
-              <a:srgbClr val="ffffff"/>
+              <a:srgbClr val="FFFFFF"/>
             </a:solidFill>
             <a:round/>
           </a:ln>
@@ -2051,11 +2235,11 @@
             <a:avLst/>
           </a:prstGeom>
           <a:solidFill>
-            <a:srgbClr val="ffffff"/>
+            <a:srgbClr val="FFFFFF"/>
           </a:solidFill>
           <a:ln w="25560">
             <a:solidFill>
-              <a:srgbClr val="ffffff"/>
+              <a:srgbClr val="FFFFFF"/>
             </a:solidFill>
             <a:round/>
           </a:ln>
@@ -2081,7 +2265,8 @@
           </a:ln>
         </p:spPr>
         <p:txBody>
-          <a:bodyPr wrap="none" lIns="90000" rIns="90000" tIns="45000" bIns="45000"/>
+          <a:bodyPr wrap="none" lIns="90000" tIns="45000" rIns="90000" bIns="45000"/>
+          <a:lstStyle/>
           <a:p>
             <a:pPr>
               <a:lnSpc>
@@ -2089,9 +2274,9 @@
               </a:lnSpc>
             </a:pPr>
             <a:r>
-              <a:rPr b="1" lang="en-US" sz="1600">
+              <a:rPr lang="en-US" sz="1600" b="1">
                 <a:solidFill>
-                  <a:srgbClr val="ffffff"/>
+                  <a:srgbClr val="FFFFFF"/>
                 </a:solidFill>
                 <a:latin typeface="Times New Roman"/>
               </a:rPr>
@@ -2121,7 +2306,8 @@
           </a:ln>
         </p:spPr>
         <p:txBody>
-          <a:bodyPr wrap="none" lIns="90000" rIns="90000" tIns="45000" bIns="45000"/>
+          <a:bodyPr wrap="none" lIns="90000" tIns="45000" rIns="90000" bIns="45000"/>
+          <a:lstStyle/>
           <a:p>
             <a:pPr>
               <a:lnSpc>
@@ -2129,9 +2315,9 @@
               </a:lnSpc>
             </a:pPr>
             <a:r>
-              <a:rPr b="1" lang="en-US" sz="1600">
+              <a:rPr lang="en-US" sz="1600" b="1">
                 <a:solidFill>
-                  <a:srgbClr val="ffffff"/>
+                  <a:srgbClr val="FFFFFF"/>
                 </a:solidFill>
                 <a:latin typeface="Times New Roman"/>
               </a:rPr>
@@ -2143,6 +2329,9 @@
       </p:sp>
     </p:spTree>
   </p:cSld>
+  <p:clrMapOvr>
+    <a:masterClrMapping/>
+  </p:clrMapOvr>
   <p:timing>
     <p:tnLst>
       <p:par>
@@ -2151,14 +2340,14 @@
             <p:seq>
               <p:cTn id="2" nodeType="mainSeq"/>
               <p:prevCondLst>
-                <p:cond delay="0" evt="onPrev">
+                <p:cond evt="onPrev" delay="0">
                   <p:tgtEl>
                     <p:sldTgt/>
                   </p:tgtEl>
                 </p:cond>
               </p:prevCondLst>
               <p:nextCondLst>
-                <p:cond delay="0" evt="onNext">
+                <p:cond evt="onNext" delay="0">
                   <p:tgtEl>
                     <p:sldTgt/>
                   </p:tgtEl>
@@ -2393,5 +2582,7 @@
       </a:bgFillStyleLst>
     </a:fmtScheme>
   </a:themeElements>
+  <a:objectDefaults/>
+  <a:extraClrSchemeLst/>
 </a:theme>
 </file>